--- a/quarto/template.pptx
+++ b/quarto/template.pptx
@@ -205,7 +205,7 @@
           <a:p>
             <a:fld id="{4F69A1B2-B270-4C8D-99C5-F4F5926D398A}" type="datetimeFigureOut">
               <a:rPr lang="en-CA" smtClean="0"/>
-              <a:t>2024-05-02</a:t>
+              <a:t>2024-05-03</a:t>
             </a:fld>
             <a:endParaRPr lang="en-CA"/>
           </a:p>
@@ -512,8 +512,8 @@
         </p:nvSpPr>
         <p:spPr>
           <a:xfrm>
-            <a:off x="404326" y="838033"/>
-            <a:ext cx="11408229" cy="3528693"/>
+            <a:off x="7298575" y="0"/>
+            <a:ext cx="4962781" cy="6857999"/>
           </a:xfrm>
           <a:prstGeom prst="rect">
             <a:avLst/>
@@ -545,8 +545,8 @@
           <a:bodyPr rtlCol="0" anchor="ctr"/>
           <a:lstStyle/>
           <a:p>
-            <a:pPr algn="ctr"/>
-            <a:endParaRPr lang="en-CA"/>
+            <a:pPr algn="r"/>
+            <a:endParaRPr lang="en-CA" sz="2800" dirty="0"/>
           </a:p>
         </p:txBody>
       </p:sp>
@@ -568,8 +568,8 @@
         </p:nvSpPr>
         <p:spPr>
           <a:xfrm>
-            <a:off x="404326" y="1397725"/>
-            <a:ext cx="11383347" cy="1073020"/>
+            <a:off x="7759860" y="0"/>
+            <a:ext cx="4040211" cy="2725093"/>
           </a:xfrm>
           <a:noFill/>
           <a:ln>
@@ -596,7 +596,7 @@
           </a:bodyPr>
           <a:lstStyle>
             <a:lvl1pPr algn="ctr">
-              <a:defRPr sz="4400"/>
+              <a:defRPr sz="3600"/>
             </a:lvl1pPr>
           </a:lstStyle>
           <a:p>
@@ -630,8 +630,8 @@
         </p:blipFill>
         <p:spPr>
           <a:xfrm>
-            <a:off x="7140633" y="4463640"/>
-            <a:ext cx="2128058" cy="1897859"/>
+            <a:off x="2253043" y="3599412"/>
+            <a:ext cx="2640383" cy="2354764"/>
           </a:xfrm>
           <a:prstGeom prst="rect">
             <a:avLst/>
@@ -656,16 +656,18 @@
         </p:nvSpPr>
         <p:spPr>
           <a:xfrm>
-            <a:off x="1536440" y="2804016"/>
-            <a:ext cx="9144000" cy="716874"/>
+            <a:off x="7759860" y="3345872"/>
+            <a:ext cx="4110715" cy="716874"/>
           </a:xfrm>
         </p:spPr>
         <p:txBody>
-          <a:bodyPr/>
+          <a:bodyPr>
+            <a:noAutofit/>
+          </a:bodyPr>
           <a:lstStyle>
-            <a:lvl1pPr marL="0" indent="0" algn="ctr">
-              <a:buNone/>
-              <a:defRPr sz="2400">
+            <a:lvl1pPr marL="0" indent="0" algn="r">
+              <a:buNone/>
+              <a:defRPr sz="2800">
                 <a:solidFill>
                   <a:srgbClr val="FCFBF9"/>
                 </a:solidFill>
@@ -706,10 +708,10 @@
           </a:lstStyle>
           <a:p>
             <a:r>
-              <a:rPr lang="en-US"/>
+              <a:rPr lang="en-US" dirty="0"/>
               <a:t>Click to edit Master subtitle style</a:t>
             </a:r>
-            <a:endParaRPr lang="en-CA"/>
+            <a:endParaRPr lang="en-CA" dirty="0"/>
           </a:p>
         </p:txBody>
       </p:sp>
